--- a/docs/diagrams/UiComponentClassDiagram.pptx
+++ b/docs/diagrams/UiComponentClassDiagram.pptx
@@ -208,7 +208,7 @@
           <a:p>
             <a:fld id="{F5CC4B3F-88C1-4FFA-B1B6-F41C21DC6924}" type="datetimeFigureOut">
               <a:rPr lang="en-US" smtClean="0"/>
-              <a:t>12/15/2018</a:t>
+              <a:t>4/14/2019</a:t>
             </a:fld>
             <a:endParaRPr lang="en-US"/>
           </a:p>
@@ -654,7 +654,7 @@
           <a:p>
             <a:fld id="{78C97017-6FC3-485B-9764-EAC9E56C1D49}" type="datetimeFigureOut">
               <a:rPr lang="en-US" smtClean="0"/>
-              <a:t>12/15/2018</a:t>
+              <a:t>4/14/2019</a:t>
             </a:fld>
             <a:endParaRPr lang="en-US"/>
           </a:p>
@@ -822,7 +822,7 @@
           <a:p>
             <a:fld id="{78C97017-6FC3-485B-9764-EAC9E56C1D49}" type="datetimeFigureOut">
               <a:rPr lang="en-US" smtClean="0"/>
-              <a:t>12/15/2018</a:t>
+              <a:t>4/14/2019</a:t>
             </a:fld>
             <a:endParaRPr lang="en-US"/>
           </a:p>
@@ -1000,7 +1000,7 @@
           <a:p>
             <a:fld id="{78C97017-6FC3-485B-9764-EAC9E56C1D49}" type="datetimeFigureOut">
               <a:rPr lang="en-US" smtClean="0"/>
-              <a:t>12/15/2018</a:t>
+              <a:t>4/14/2019</a:t>
             </a:fld>
             <a:endParaRPr lang="en-US"/>
           </a:p>
@@ -1168,7 +1168,7 @@
           <a:p>
             <a:fld id="{78C97017-6FC3-485B-9764-EAC9E56C1D49}" type="datetimeFigureOut">
               <a:rPr lang="en-US" smtClean="0"/>
-              <a:t>12/15/2018</a:t>
+              <a:t>4/14/2019</a:t>
             </a:fld>
             <a:endParaRPr lang="en-US"/>
           </a:p>
@@ -1413,7 +1413,7 @@
           <a:p>
             <a:fld id="{78C97017-6FC3-485B-9764-EAC9E56C1D49}" type="datetimeFigureOut">
               <a:rPr lang="en-US" smtClean="0"/>
-              <a:t>12/15/2018</a:t>
+              <a:t>4/14/2019</a:t>
             </a:fld>
             <a:endParaRPr lang="en-US"/>
           </a:p>
@@ -1698,7 +1698,7 @@
           <a:p>
             <a:fld id="{78C97017-6FC3-485B-9764-EAC9E56C1D49}" type="datetimeFigureOut">
               <a:rPr lang="en-US" smtClean="0"/>
-              <a:t>12/15/2018</a:t>
+              <a:t>4/14/2019</a:t>
             </a:fld>
             <a:endParaRPr lang="en-US"/>
           </a:p>
@@ -2117,7 +2117,7 @@
           <a:p>
             <a:fld id="{78C97017-6FC3-485B-9764-EAC9E56C1D49}" type="datetimeFigureOut">
               <a:rPr lang="en-US" smtClean="0"/>
-              <a:t>12/15/2018</a:t>
+              <a:t>4/14/2019</a:t>
             </a:fld>
             <a:endParaRPr lang="en-US"/>
           </a:p>
@@ -2234,7 +2234,7 @@
           <a:p>
             <a:fld id="{78C97017-6FC3-485B-9764-EAC9E56C1D49}" type="datetimeFigureOut">
               <a:rPr lang="en-US" smtClean="0"/>
-              <a:t>12/15/2018</a:t>
+              <a:t>4/14/2019</a:t>
             </a:fld>
             <a:endParaRPr lang="en-US"/>
           </a:p>
@@ -2329,7 +2329,7 @@
           <a:p>
             <a:fld id="{78C97017-6FC3-485B-9764-EAC9E56C1D49}" type="datetimeFigureOut">
               <a:rPr lang="en-US" smtClean="0"/>
-              <a:t>12/15/2018</a:t>
+              <a:t>4/14/2019</a:t>
             </a:fld>
             <a:endParaRPr lang="en-US"/>
           </a:p>
@@ -2604,7 +2604,7 @@
           <a:p>
             <a:fld id="{78C97017-6FC3-485B-9764-EAC9E56C1D49}" type="datetimeFigureOut">
               <a:rPr lang="en-US" smtClean="0"/>
-              <a:t>12/15/2018</a:t>
+              <a:t>4/14/2019</a:t>
             </a:fld>
             <a:endParaRPr lang="en-US"/>
           </a:p>
@@ -2856,7 +2856,7 @@
           <a:p>
             <a:fld id="{78C97017-6FC3-485B-9764-EAC9E56C1D49}" type="datetimeFigureOut">
               <a:rPr lang="en-US" smtClean="0"/>
-              <a:t>12/15/2018</a:t>
+              <a:t>4/14/2019</a:t>
             </a:fld>
             <a:endParaRPr lang="en-US"/>
           </a:p>
@@ -3067,7 +3067,7 @@
           <a:p>
             <a:fld id="{78C97017-6FC3-485B-9764-EAC9E56C1D49}" type="datetimeFigureOut">
               <a:rPr lang="en-US" smtClean="0"/>
-              <a:t>12/15/2018</a:t>
+              <a:t>4/14/2019</a:t>
             </a:fld>
             <a:endParaRPr lang="en-US"/>
           </a:p>
@@ -3450,8 +3450,8 @@
         </p:nvSpPr>
         <p:spPr>
           <a:xfrm>
-            <a:off x="1217465" y="1447800"/>
-            <a:ext cx="4917083" cy="3962400"/>
+            <a:off x="1030792" y="1140549"/>
+            <a:ext cx="5398158" cy="5336443"/>
           </a:xfrm>
           <a:prstGeom prst="roundRect">
             <a:avLst>
@@ -3573,7 +3573,7 @@
         <p:spPr>
           <a:xfrm>
             <a:off x="2592528" y="2971800"/>
-            <a:ext cx="1093635" cy="236841"/>
+            <a:ext cx="1188908" cy="236841"/>
           </a:xfrm>
           <a:prstGeom prst="rect">
             <a:avLst/>
@@ -3886,7 +3886,7 @@
         <p:spPr>
           <a:xfrm>
             <a:off x="2592528" y="3649359"/>
-            <a:ext cx="1093635" cy="236841"/>
+            <a:ext cx="1180925" cy="236841"/>
           </a:xfrm>
           <a:prstGeom prst="rect">
             <a:avLst/>
@@ -3925,7 +3925,7 @@
                   </a:schemeClr>
                 </a:solidFill>
               </a:rPr>
-              <a:t>BrowserPanel</a:t>
+              <a:t>ChatPanel</a:t>
             </a:r>
             <a:endParaRPr lang="en-SG" sz="1050" b="1" dirty="0">
               <a:solidFill>
@@ -3945,8 +3945,8 @@
         </p:nvSpPr>
         <p:spPr>
           <a:xfrm>
-            <a:off x="2592527" y="4563759"/>
-            <a:ext cx="1093635" cy="236841"/>
+            <a:off x="2582816" y="5552150"/>
+            <a:ext cx="1180925" cy="236841"/>
           </a:xfrm>
           <a:prstGeom prst="rect">
             <a:avLst/>
@@ -4006,7 +4006,7 @@
         <p:spPr>
           <a:xfrm>
             <a:off x="2592526" y="3991960"/>
-            <a:ext cx="1093635" cy="236841"/>
+            <a:ext cx="1180925" cy="236841"/>
           </a:xfrm>
           <a:prstGeom prst="rect">
             <a:avLst/>
@@ -4065,7 +4065,7 @@
         </p:nvSpPr>
         <p:spPr>
           <a:xfrm>
-            <a:off x="3839323" y="4228801"/>
+            <a:off x="3894114" y="4228801"/>
             <a:ext cx="1040906" cy="236841"/>
           </a:xfrm>
           <a:prstGeom prst="rect">
@@ -4125,8 +4125,8 @@
         </p:nvSpPr>
         <p:spPr>
           <a:xfrm>
-            <a:off x="2592528" y="4966000"/>
-            <a:ext cx="1093635" cy="236841"/>
+            <a:off x="2582816" y="5948806"/>
+            <a:ext cx="1188146" cy="236841"/>
           </a:xfrm>
           <a:prstGeom prst="rect">
             <a:avLst/>
@@ -4229,6 +4229,7 @@
         <p:nvCxnSpPr>
           <p:cNvPr id="40" name="Elbow Connector 63"/>
           <p:cNvCxnSpPr>
+            <a:cxnSpLocks/>
             <a:stCxn id="39" idx="2"/>
             <a:endCxn id="3" idx="1"/>
           </p:cNvCxnSpPr>
@@ -4275,7 +4276,7 @@
         <p:spPr>
           <a:xfrm>
             <a:off x="2590799" y="3304308"/>
-            <a:ext cx="1095361" cy="236841"/>
+            <a:ext cx="1182654" cy="236841"/>
           </a:xfrm>
           <a:prstGeom prst="rect">
             <a:avLst/>
@@ -4314,7 +4315,7 @@
                   </a:schemeClr>
                 </a:solidFill>
               </a:rPr>
-              <a:t>ResultDisplay</a:t>
+              <a:t>TextResultDisplay</a:t>
             </a:r>
             <a:endParaRPr lang="en-SG" sz="1050" b="1" dirty="0">
               <a:solidFill>
@@ -4330,6 +4331,7 @@
         <p:nvCxnSpPr>
           <p:cNvPr id="44" name="Elbow Connector 63"/>
           <p:cNvCxnSpPr>
+            <a:cxnSpLocks/>
             <a:stCxn id="39" idx="2"/>
             <a:endCxn id="34" idx="1"/>
           </p:cNvCxnSpPr>
@@ -4371,6 +4373,7 @@
         <p:nvCxnSpPr>
           <p:cNvPr id="47" name="Elbow Connector 63"/>
           <p:cNvCxnSpPr>
+            <a:cxnSpLocks/>
             <a:stCxn id="39" idx="2"/>
             <a:endCxn id="36" idx="1"/>
           </p:cNvCxnSpPr>
@@ -4412,6 +4415,7 @@
         <p:nvCxnSpPr>
           <p:cNvPr id="50" name="Elbow Connector 63"/>
           <p:cNvCxnSpPr>
+            <a:cxnSpLocks/>
             <a:stCxn id="39" idx="2"/>
             <a:endCxn id="35" idx="1"/>
           </p:cNvCxnSpPr>
@@ -4419,8 +4423,8 @@
         </p:nvCxnSpPr>
         <p:spPr>
           <a:xfrm rot="16200000" flipH="1">
-            <a:off x="1597249" y="3686901"/>
-            <a:ext cx="1814155" cy="176401"/>
+            <a:off x="1098198" y="4185953"/>
+            <a:ext cx="2802546" cy="166690"/>
           </a:xfrm>
           <a:prstGeom prst="bentConnector2">
             <a:avLst/>
@@ -4453,14 +4457,15 @@
         <p:nvCxnSpPr>
           <p:cNvPr id="53" name="Elbow Connector 63"/>
           <p:cNvCxnSpPr>
+            <a:cxnSpLocks/>
             <a:endCxn id="38" idx="1"/>
           </p:cNvCxnSpPr>
           <p:nvPr/>
         </p:nvCxnSpPr>
         <p:spPr>
           <a:xfrm rot="16200000" flipH="1">
-            <a:off x="1184119" y="3676012"/>
-            <a:ext cx="2396440" cy="420377"/>
+            <a:off x="680679" y="4165090"/>
+            <a:ext cx="3379248" cy="425026"/>
           </a:xfrm>
           <a:prstGeom prst="bentConnector2">
             <a:avLst/>
@@ -4572,6 +4577,7 @@
         <p:nvCxnSpPr>
           <p:cNvPr id="74" name="Elbow Connector 63"/>
           <p:cNvCxnSpPr>
+            <a:cxnSpLocks/>
             <a:stCxn id="43" idx="3"/>
             <a:endCxn id="16" idx="3"/>
           </p:cNvCxnSpPr>
@@ -4579,8 +4585,8 @@
         </p:nvCxnSpPr>
         <p:spPr>
           <a:xfrm flipV="1">
-            <a:off x="3686160" y="2286000"/>
-            <a:ext cx="1843809" cy="1136729"/>
+            <a:off x="3773453" y="2286000"/>
+            <a:ext cx="1756516" cy="1136729"/>
           </a:xfrm>
           <a:prstGeom prst="bentConnector2">
             <a:avLst/>
@@ -4620,8 +4626,8 @@
         </p:nvCxnSpPr>
         <p:spPr>
           <a:xfrm rot="5400000">
-            <a:off x="4174488" y="2991741"/>
-            <a:ext cx="2061222" cy="649740"/>
+            <a:off x="4201884" y="3019137"/>
+            <a:ext cx="2061222" cy="594949"/>
           </a:xfrm>
           <a:prstGeom prst="bentConnector2">
             <a:avLst/>
@@ -4654,6 +4660,7 @@
         <p:nvCxnSpPr>
           <p:cNvPr id="82" name="Elbow Connector 63"/>
           <p:cNvCxnSpPr>
+            <a:cxnSpLocks/>
             <a:stCxn id="16" idx="3"/>
             <a:endCxn id="34" idx="3"/>
           </p:cNvCxnSpPr>
@@ -4661,8 +4668,8 @@
         </p:nvCxnSpPr>
         <p:spPr>
           <a:xfrm rot="5400000">
-            <a:off x="3867176" y="2104987"/>
-            <a:ext cx="1481780" cy="1843806"/>
+            <a:off x="3910821" y="2148632"/>
+            <a:ext cx="1481780" cy="1756516"/>
           </a:xfrm>
           <a:prstGeom prst="bentConnector2">
             <a:avLst/>
@@ -4736,6 +4743,7 @@
         <p:nvCxnSpPr>
           <p:cNvPr id="91" name="Elbow Connector 63"/>
           <p:cNvCxnSpPr>
+            <a:cxnSpLocks/>
             <a:stCxn id="16" idx="3"/>
             <a:endCxn id="35" idx="3"/>
           </p:cNvCxnSpPr>
@@ -4743,8 +4751,8 @@
         </p:nvCxnSpPr>
         <p:spPr>
           <a:xfrm rot="5400000">
-            <a:off x="3409976" y="2562187"/>
-            <a:ext cx="2396180" cy="1843807"/>
+            <a:off x="2954570" y="3095171"/>
+            <a:ext cx="3384571" cy="1766228"/>
           </a:xfrm>
           <a:prstGeom prst="bentConnector2">
             <a:avLst/>
@@ -4777,6 +4785,7 @@
         <p:nvCxnSpPr>
           <p:cNvPr id="94" name="Elbow Connector 63"/>
           <p:cNvCxnSpPr>
+            <a:cxnSpLocks/>
             <a:stCxn id="16" idx="3"/>
             <a:endCxn id="38" idx="3"/>
           </p:cNvCxnSpPr>
@@ -4784,8 +4793,8 @@
         </p:nvCxnSpPr>
         <p:spPr>
           <a:xfrm rot="5400000">
-            <a:off x="3208856" y="2763307"/>
-            <a:ext cx="2798421" cy="1843806"/>
+            <a:off x="2759853" y="3297110"/>
+            <a:ext cx="3781227" cy="1759007"/>
           </a:xfrm>
           <a:prstGeom prst="bentConnector2">
             <a:avLst/>
@@ -4863,8 +4872,8 @@
         </p:nvSpPr>
         <p:spPr>
           <a:xfrm rot="16200000">
-            <a:off x="6213739" y="4560376"/>
-            <a:ext cx="1371599" cy="328045"/>
+            <a:off x="6024343" y="4749771"/>
+            <a:ext cx="1750392" cy="328045"/>
           </a:xfrm>
           <a:prstGeom prst="roundRect">
             <a:avLst/>
@@ -5079,6 +5088,7 @@
         <p:nvCxnSpPr>
           <p:cNvPr id="131" name="Elbow Connector 130"/>
           <p:cNvCxnSpPr>
+            <a:cxnSpLocks/>
             <a:stCxn id="39" idx="2"/>
             <a:endCxn id="43" idx="1"/>
           </p:cNvCxnSpPr>
@@ -5120,6 +5130,7 @@
         <p:nvCxnSpPr>
           <p:cNvPr id="132" name="Elbow Connector 63"/>
           <p:cNvCxnSpPr>
+            <a:cxnSpLocks/>
             <a:stCxn id="16" idx="3"/>
             <a:endCxn id="3" idx="3"/>
           </p:cNvCxnSpPr>
@@ -5127,8 +5138,8 @@
         </p:nvCxnSpPr>
         <p:spPr>
           <a:xfrm rot="5400000">
-            <a:off x="4205956" y="1766207"/>
-            <a:ext cx="804221" cy="1843806"/>
+            <a:off x="4253593" y="1813844"/>
+            <a:ext cx="804221" cy="1748533"/>
           </a:xfrm>
           <a:prstGeom prst="bentConnector2">
             <a:avLst/>
@@ -5161,6 +5172,7 @@
         <p:nvCxnSpPr>
           <p:cNvPr id="137" name="Elbow Connector 136"/>
           <p:cNvCxnSpPr>
+            <a:cxnSpLocks/>
             <a:stCxn id="36" idx="2"/>
             <a:endCxn id="37" idx="1"/>
           </p:cNvCxnSpPr>
@@ -5168,8 +5180,8 @@
         </p:nvCxnSpPr>
         <p:spPr>
           <a:xfrm rot="16200000" flipH="1">
-            <a:off x="3430123" y="3938021"/>
-            <a:ext cx="118421" cy="699979"/>
+            <a:off x="3479341" y="3932448"/>
+            <a:ext cx="118421" cy="711125"/>
           </a:xfrm>
           <a:prstGeom prst="bentConnector2">
             <a:avLst/>
@@ -5202,6 +5214,7 @@
         <p:nvCxnSpPr>
           <p:cNvPr id="140" name="Elbow Connector 63"/>
           <p:cNvCxnSpPr>
+            <a:cxnSpLocks/>
             <a:stCxn id="16" idx="3"/>
             <a:endCxn id="36" idx="3"/>
           </p:cNvCxnSpPr>
@@ -5209,8 +5222,8 @@
         </p:nvCxnSpPr>
         <p:spPr>
           <a:xfrm rot="5400000">
-            <a:off x="3695875" y="2276286"/>
-            <a:ext cx="1824381" cy="1843808"/>
+            <a:off x="3739520" y="2319931"/>
+            <a:ext cx="1824381" cy="1756518"/>
           </a:xfrm>
           <a:prstGeom prst="bentConnector2">
             <a:avLst/>
@@ -5509,6 +5522,726 @@
           </a:p>
         </p:txBody>
       </p:sp>
+      <p:sp>
+        <p:nvSpPr>
+          <p:cNvPr id="49" name="Rectangle 11">
+            <a:extLst>
+              <a:ext uri="{FF2B5EF4-FFF2-40B4-BE49-F238E27FC236}">
+                <a16:creationId xmlns:a16="http://schemas.microsoft.com/office/drawing/2014/main" id="{2C3AC520-4F9B-42D4-987F-0C77BD9B1AD9}"/>
+              </a:ext>
+            </a:extLst>
+          </p:cNvPr>
+          <p:cNvSpPr/>
+          <p:nvPr/>
+        </p:nvSpPr>
+        <p:spPr>
+          <a:xfrm>
+            <a:off x="2590037" y="4517812"/>
+            <a:ext cx="1180925" cy="236841"/>
+          </a:xfrm>
+          <a:prstGeom prst="rect">
+            <a:avLst/>
+          </a:prstGeom>
+          <a:ln w="19050">
+            <a:solidFill>
+              <a:schemeClr val="accent3"/>
+            </a:solidFill>
+          </a:ln>
+          <a:effectLst/>
+        </p:spPr>
+        <p:style>
+          <a:lnRef idx="1">
+            <a:schemeClr val="accent3"/>
+          </a:lnRef>
+          <a:fillRef idx="2">
+            <a:schemeClr val="accent3"/>
+          </a:fillRef>
+          <a:effectRef idx="1">
+            <a:schemeClr val="accent3"/>
+          </a:effectRef>
+          <a:fontRef idx="minor">
+            <a:schemeClr val="dk1"/>
+          </a:fontRef>
+        </p:style>
+        <p:txBody>
+          <a:bodyPr rtlCol="0" anchor="ctr"/>
+          <a:lstStyle/>
+          <a:p>
+            <a:pPr algn="ctr"/>
+            <a:r>
+              <a:rPr lang="en-US" sz="1050" b="1" dirty="0" err="1">
+                <a:solidFill>
+                  <a:schemeClr val="accent3">
+                    <a:lumMod val="75000"/>
+                  </a:schemeClr>
+                </a:solidFill>
+              </a:rPr>
+              <a:t>UndoListPanel</a:t>
+            </a:r>
+            <a:endParaRPr lang="en-SG" sz="1050" b="1" dirty="0">
+              <a:solidFill>
+                <a:schemeClr val="accent3">
+                  <a:lumMod val="75000"/>
+                </a:schemeClr>
+              </a:solidFill>
+            </a:endParaRPr>
+          </a:p>
+        </p:txBody>
+      </p:sp>
+      <p:cxnSp>
+        <p:nvCxnSpPr>
+          <p:cNvPr id="51" name="Elbow Connector 136">
+            <a:extLst>
+              <a:ext uri="{FF2B5EF4-FFF2-40B4-BE49-F238E27FC236}">
+                <a16:creationId xmlns:a16="http://schemas.microsoft.com/office/drawing/2014/main" id="{20933EE6-141D-42CC-AA2D-343114F52DB1}"/>
+              </a:ext>
+            </a:extLst>
+          </p:cNvPr>
+          <p:cNvCxnSpPr>
+            <a:cxnSpLocks/>
+            <a:stCxn id="49" idx="2"/>
+            <a:endCxn id="52" idx="1"/>
+          </p:cNvCxnSpPr>
+          <p:nvPr/>
+        </p:nvCxnSpPr>
+        <p:spPr>
+          <a:xfrm rot="16200000" flipH="1">
+            <a:off x="3477243" y="4457910"/>
+            <a:ext cx="119042" cy="712528"/>
+          </a:xfrm>
+          <a:prstGeom prst="bentConnector2">
+            <a:avLst/>
+          </a:prstGeom>
+          <a:ln w="19050">
+            <a:solidFill>
+              <a:schemeClr val="accent3"/>
+            </a:solidFill>
+            <a:headEnd type="none" w="med" len="med"/>
+            <a:tailEnd type="arrow" w="med" len="med"/>
+          </a:ln>
+          <a:effectLst/>
+        </p:spPr>
+        <p:style>
+          <a:lnRef idx="1">
+            <a:schemeClr val="accent2"/>
+          </a:lnRef>
+          <a:fillRef idx="2">
+            <a:schemeClr val="accent2"/>
+          </a:fillRef>
+          <a:effectRef idx="1">
+            <a:schemeClr val="accent2"/>
+          </a:effectRef>
+          <a:fontRef idx="minor">
+            <a:schemeClr val="dk1"/>
+          </a:fontRef>
+        </p:style>
+      </p:cxnSp>
+      <p:sp>
+        <p:nvSpPr>
+          <p:cNvPr id="52" name="Rectangle 11">
+            <a:extLst>
+              <a:ext uri="{FF2B5EF4-FFF2-40B4-BE49-F238E27FC236}">
+                <a16:creationId xmlns:a16="http://schemas.microsoft.com/office/drawing/2014/main" id="{C9B6C3DF-2AC2-42E4-9B17-4B02EA2BE4C7}"/>
+              </a:ext>
+            </a:extLst>
+          </p:cNvPr>
+          <p:cNvSpPr/>
+          <p:nvPr/>
+        </p:nvSpPr>
+        <p:spPr>
+          <a:xfrm>
+            <a:off x="3893028" y="4755274"/>
+            <a:ext cx="1040906" cy="236841"/>
+          </a:xfrm>
+          <a:prstGeom prst="rect">
+            <a:avLst/>
+          </a:prstGeom>
+          <a:ln w="19050">
+            <a:solidFill>
+              <a:schemeClr val="accent3"/>
+            </a:solidFill>
+          </a:ln>
+          <a:effectLst/>
+        </p:spPr>
+        <p:style>
+          <a:lnRef idx="1">
+            <a:schemeClr val="accent3"/>
+          </a:lnRef>
+          <a:fillRef idx="2">
+            <a:schemeClr val="accent3"/>
+          </a:fillRef>
+          <a:effectRef idx="1">
+            <a:schemeClr val="accent3"/>
+          </a:effectRef>
+          <a:fontRef idx="minor">
+            <a:schemeClr val="dk1"/>
+          </a:fontRef>
+        </p:style>
+        <p:txBody>
+          <a:bodyPr rtlCol="0" anchor="ctr"/>
+          <a:lstStyle/>
+          <a:p>
+            <a:pPr algn="ctr"/>
+            <a:r>
+              <a:rPr lang="en-US" sz="1050" b="1" dirty="0" err="1">
+                <a:solidFill>
+                  <a:schemeClr val="accent3">
+                    <a:lumMod val="75000"/>
+                  </a:schemeClr>
+                </a:solidFill>
+              </a:rPr>
+              <a:t>UndoCard</a:t>
+            </a:r>
+            <a:endParaRPr lang="en-SG" sz="1050" b="1" dirty="0">
+              <a:solidFill>
+                <a:schemeClr val="accent3">
+                  <a:lumMod val="75000"/>
+                </a:schemeClr>
+              </a:solidFill>
+            </a:endParaRPr>
+          </a:p>
+        </p:txBody>
+      </p:sp>
+      <p:sp>
+        <p:nvSpPr>
+          <p:cNvPr id="54" name="Freeform 117">
+            <a:extLst>
+              <a:ext uri="{FF2B5EF4-FFF2-40B4-BE49-F238E27FC236}">
+                <a16:creationId xmlns:a16="http://schemas.microsoft.com/office/drawing/2014/main" id="{A81C93A4-CD62-4B5F-8E85-3407EB371E1F}"/>
+              </a:ext>
+            </a:extLst>
+          </p:cNvPr>
+          <p:cNvSpPr/>
+          <p:nvPr/>
+        </p:nvSpPr>
+        <p:spPr>
+          <a:xfrm flipV="1">
+            <a:off x="4114799" y="5001350"/>
+            <a:ext cx="2642195" cy="101600"/>
+          </a:xfrm>
+          <a:custGeom>
+            <a:avLst/>
+            <a:gdLst>
+              <a:gd name="connsiteX0" fmla="*/ 0 w 3048000"/>
+              <a:gd name="connsiteY0" fmla="*/ 203200 h 203200"/>
+              <a:gd name="connsiteX1" fmla="*/ 221673 w 3048000"/>
+              <a:gd name="connsiteY1" fmla="*/ 0 h 203200"/>
+              <a:gd name="connsiteX2" fmla="*/ 3048000 w 3048000"/>
+              <a:gd name="connsiteY2" fmla="*/ 0 h 203200"/>
+            </a:gdLst>
+            <a:ahLst/>
+            <a:cxnLst>
+              <a:cxn ang="0">
+                <a:pos x="connsiteX0" y="connsiteY0"/>
+              </a:cxn>
+              <a:cxn ang="0">
+                <a:pos x="connsiteX1" y="connsiteY1"/>
+              </a:cxn>
+              <a:cxn ang="0">
+                <a:pos x="connsiteX2" y="connsiteY2"/>
+              </a:cxn>
+            </a:cxnLst>
+            <a:rect l="l" t="t" r="r" b="b"/>
+            <a:pathLst>
+              <a:path w="3048000" h="203200">
+                <a:moveTo>
+                  <a:pt x="0" y="203200"/>
+                </a:moveTo>
+                <a:lnTo>
+                  <a:pt x="221673" y="0"/>
+                </a:lnTo>
+                <a:lnTo>
+                  <a:pt x="3048000" y="0"/>
+                </a:lnTo>
+              </a:path>
+            </a:pathLst>
+          </a:custGeom>
+          <a:noFill/>
+          <a:ln w="19050">
+            <a:solidFill>
+              <a:schemeClr val="accent3"/>
+            </a:solidFill>
+            <a:prstDash val="sysDot"/>
+            <a:headEnd type="none" w="med" len="med"/>
+            <a:tailEnd type="arrow" w="med" len="med"/>
+          </a:ln>
+          <a:effectLst/>
+        </p:spPr>
+        <p:style>
+          <a:lnRef idx="1">
+            <a:schemeClr val="accent2"/>
+          </a:lnRef>
+          <a:fillRef idx="2">
+            <a:schemeClr val="accent2"/>
+          </a:fillRef>
+          <a:effectRef idx="1">
+            <a:schemeClr val="accent2"/>
+          </a:effectRef>
+          <a:fontRef idx="minor">
+            <a:schemeClr val="dk1"/>
+          </a:fontRef>
+        </p:style>
+        <p:txBody>
+          <a:bodyPr rtlCol="0" anchor="ctr"/>
+          <a:lstStyle/>
+          <a:p>
+            <a:pPr algn="ctr"/>
+            <a:endParaRPr lang="en-SG"/>
+          </a:p>
+        </p:txBody>
+      </p:sp>
+      <p:cxnSp>
+        <p:nvCxnSpPr>
+          <p:cNvPr id="55" name="Elbow Connector 63">
+            <a:extLst>
+              <a:ext uri="{FF2B5EF4-FFF2-40B4-BE49-F238E27FC236}">
+                <a16:creationId xmlns:a16="http://schemas.microsoft.com/office/drawing/2014/main" id="{46644965-94DD-4A67-9F0D-BF8D4D8ED3E4}"/>
+              </a:ext>
+            </a:extLst>
+          </p:cNvPr>
+          <p:cNvCxnSpPr>
+            <a:cxnSpLocks/>
+            <a:stCxn id="39" idx="2"/>
+            <a:endCxn id="49" idx="1"/>
+          </p:cNvCxnSpPr>
+          <p:nvPr/>
+        </p:nvCxnSpPr>
+        <p:spPr>
+          <a:xfrm rot="16200000" flipH="1">
+            <a:off x="1618977" y="3665173"/>
+            <a:ext cx="1768208" cy="173911"/>
+          </a:xfrm>
+          <a:prstGeom prst="bentConnector2">
+            <a:avLst/>
+          </a:prstGeom>
+          <a:ln w="19050">
+            <a:solidFill>
+              <a:schemeClr val="accent3"/>
+            </a:solidFill>
+            <a:headEnd type="none" w="med" len="med"/>
+            <a:tailEnd type="arrow" w="med" len="med"/>
+          </a:ln>
+          <a:effectLst/>
+        </p:spPr>
+        <p:style>
+          <a:lnRef idx="1">
+            <a:schemeClr val="accent2"/>
+          </a:lnRef>
+          <a:fillRef idx="2">
+            <a:schemeClr val="accent2"/>
+          </a:fillRef>
+          <a:effectRef idx="1">
+            <a:schemeClr val="accent2"/>
+          </a:effectRef>
+          <a:fontRef idx="minor">
+            <a:schemeClr val="dk1"/>
+          </a:fontRef>
+        </p:style>
+      </p:cxnSp>
+      <p:sp>
+        <p:nvSpPr>
+          <p:cNvPr id="59" name="Rectangle 11">
+            <a:extLst>
+              <a:ext uri="{FF2B5EF4-FFF2-40B4-BE49-F238E27FC236}">
+                <a16:creationId xmlns:a16="http://schemas.microsoft.com/office/drawing/2014/main" id="{F0071AA2-BC4B-47FE-9C95-11DA06E8660A}"/>
+              </a:ext>
+            </a:extLst>
+          </p:cNvPr>
+          <p:cNvSpPr/>
+          <p:nvPr/>
+        </p:nvSpPr>
+        <p:spPr>
+          <a:xfrm>
+            <a:off x="2590037" y="5017414"/>
+            <a:ext cx="1180925" cy="236841"/>
+          </a:xfrm>
+          <a:prstGeom prst="rect">
+            <a:avLst/>
+          </a:prstGeom>
+          <a:ln w="19050">
+            <a:solidFill>
+              <a:schemeClr val="accent3"/>
+            </a:solidFill>
+          </a:ln>
+          <a:effectLst/>
+        </p:spPr>
+        <p:style>
+          <a:lnRef idx="1">
+            <a:schemeClr val="accent3"/>
+          </a:lnRef>
+          <a:fillRef idx="2">
+            <a:schemeClr val="accent3"/>
+          </a:fillRef>
+          <a:effectRef idx="1">
+            <a:schemeClr val="accent3"/>
+          </a:effectRef>
+          <a:fontRef idx="minor">
+            <a:schemeClr val="dk1"/>
+          </a:fontRef>
+        </p:style>
+        <p:txBody>
+          <a:bodyPr rtlCol="0" anchor="ctr"/>
+          <a:lstStyle/>
+          <a:p>
+            <a:pPr algn="ctr"/>
+            <a:r>
+              <a:rPr lang="en-US" sz="1050" b="1" dirty="0" err="1">
+                <a:solidFill>
+                  <a:schemeClr val="accent3">
+                    <a:lumMod val="75000"/>
+                  </a:schemeClr>
+                </a:solidFill>
+              </a:rPr>
+              <a:t>RedoListPanel</a:t>
+            </a:r>
+            <a:endParaRPr lang="en-SG" sz="1050" b="1" dirty="0">
+              <a:solidFill>
+                <a:schemeClr val="accent3">
+                  <a:lumMod val="75000"/>
+                </a:schemeClr>
+              </a:solidFill>
+            </a:endParaRPr>
+          </a:p>
+        </p:txBody>
+      </p:sp>
+      <p:cxnSp>
+        <p:nvCxnSpPr>
+          <p:cNvPr id="60" name="Elbow Connector 136">
+            <a:extLst>
+              <a:ext uri="{FF2B5EF4-FFF2-40B4-BE49-F238E27FC236}">
+                <a16:creationId xmlns:a16="http://schemas.microsoft.com/office/drawing/2014/main" id="{7A1FCE23-8E76-4B4A-B8C6-DCBFE122858D}"/>
+              </a:ext>
+            </a:extLst>
+          </p:cNvPr>
+          <p:cNvCxnSpPr>
+            <a:cxnSpLocks/>
+            <a:stCxn id="59" idx="2"/>
+            <a:endCxn id="61" idx="1"/>
+          </p:cNvCxnSpPr>
+          <p:nvPr/>
+        </p:nvCxnSpPr>
+        <p:spPr>
+          <a:xfrm rot="16200000" flipH="1">
+            <a:off x="3474751" y="4960004"/>
+            <a:ext cx="124026" cy="712528"/>
+          </a:xfrm>
+          <a:prstGeom prst="bentConnector2">
+            <a:avLst/>
+          </a:prstGeom>
+          <a:ln w="19050">
+            <a:solidFill>
+              <a:schemeClr val="accent3"/>
+            </a:solidFill>
+            <a:headEnd type="none" w="med" len="med"/>
+            <a:tailEnd type="arrow" w="med" len="med"/>
+          </a:ln>
+          <a:effectLst/>
+        </p:spPr>
+        <p:style>
+          <a:lnRef idx="1">
+            <a:schemeClr val="accent2"/>
+          </a:lnRef>
+          <a:fillRef idx="2">
+            <a:schemeClr val="accent2"/>
+          </a:fillRef>
+          <a:effectRef idx="1">
+            <a:schemeClr val="accent2"/>
+          </a:effectRef>
+          <a:fontRef idx="minor">
+            <a:schemeClr val="dk1"/>
+          </a:fontRef>
+        </p:style>
+      </p:cxnSp>
+      <p:sp>
+        <p:nvSpPr>
+          <p:cNvPr id="61" name="Rectangle 11">
+            <a:extLst>
+              <a:ext uri="{FF2B5EF4-FFF2-40B4-BE49-F238E27FC236}">
+                <a16:creationId xmlns:a16="http://schemas.microsoft.com/office/drawing/2014/main" id="{FFE9C065-88F2-4D8A-BD80-6404EDFE4D01}"/>
+              </a:ext>
+            </a:extLst>
+          </p:cNvPr>
+          <p:cNvSpPr/>
+          <p:nvPr/>
+        </p:nvSpPr>
+        <p:spPr>
+          <a:xfrm>
+            <a:off x="3893028" y="5259860"/>
+            <a:ext cx="1040906" cy="236841"/>
+          </a:xfrm>
+          <a:prstGeom prst="rect">
+            <a:avLst/>
+          </a:prstGeom>
+          <a:ln w="19050">
+            <a:solidFill>
+              <a:schemeClr val="accent3"/>
+            </a:solidFill>
+          </a:ln>
+          <a:effectLst/>
+        </p:spPr>
+        <p:style>
+          <a:lnRef idx="1">
+            <a:schemeClr val="accent3"/>
+          </a:lnRef>
+          <a:fillRef idx="2">
+            <a:schemeClr val="accent3"/>
+          </a:fillRef>
+          <a:effectRef idx="1">
+            <a:schemeClr val="accent3"/>
+          </a:effectRef>
+          <a:fontRef idx="minor">
+            <a:schemeClr val="dk1"/>
+          </a:fontRef>
+        </p:style>
+        <p:txBody>
+          <a:bodyPr rtlCol="0" anchor="ctr"/>
+          <a:lstStyle/>
+          <a:p>
+            <a:pPr algn="ctr"/>
+            <a:r>
+              <a:rPr lang="en-US" sz="1050" b="1" dirty="0" err="1">
+                <a:solidFill>
+                  <a:schemeClr val="accent3">
+                    <a:lumMod val="75000"/>
+                  </a:schemeClr>
+                </a:solidFill>
+              </a:rPr>
+              <a:t>RedoCard</a:t>
+            </a:r>
+            <a:endParaRPr lang="en-SG" sz="1050" b="1" dirty="0">
+              <a:solidFill>
+                <a:schemeClr val="accent3">
+                  <a:lumMod val="75000"/>
+                </a:schemeClr>
+              </a:solidFill>
+            </a:endParaRPr>
+          </a:p>
+        </p:txBody>
+      </p:sp>
+      <p:cxnSp>
+        <p:nvCxnSpPr>
+          <p:cNvPr id="62" name="Elbow Connector 63">
+            <a:extLst>
+              <a:ext uri="{FF2B5EF4-FFF2-40B4-BE49-F238E27FC236}">
+                <a16:creationId xmlns:a16="http://schemas.microsoft.com/office/drawing/2014/main" id="{6AD1195C-0468-4004-BB2B-A625219DF6F2}"/>
+              </a:ext>
+            </a:extLst>
+          </p:cNvPr>
+          <p:cNvCxnSpPr>
+            <a:cxnSpLocks/>
+            <a:stCxn id="39" idx="2"/>
+            <a:endCxn id="59" idx="1"/>
+          </p:cNvCxnSpPr>
+          <p:nvPr/>
+        </p:nvCxnSpPr>
+        <p:spPr>
+          <a:xfrm rot="16200000" flipH="1">
+            <a:off x="1369176" y="3914974"/>
+            <a:ext cx="2267810" cy="173911"/>
+          </a:xfrm>
+          <a:prstGeom prst="bentConnector2">
+            <a:avLst/>
+          </a:prstGeom>
+          <a:ln w="19050">
+            <a:solidFill>
+              <a:schemeClr val="accent3"/>
+            </a:solidFill>
+            <a:headEnd type="none" w="med" len="med"/>
+            <a:tailEnd type="arrow" w="med" len="med"/>
+          </a:ln>
+          <a:effectLst/>
+        </p:spPr>
+        <p:style>
+          <a:lnRef idx="1">
+            <a:schemeClr val="accent2"/>
+          </a:lnRef>
+          <a:fillRef idx="2">
+            <a:schemeClr val="accent2"/>
+          </a:fillRef>
+          <a:effectRef idx="1">
+            <a:schemeClr val="accent2"/>
+          </a:effectRef>
+          <a:fontRef idx="minor">
+            <a:schemeClr val="dk1"/>
+          </a:fontRef>
+        </p:style>
+      </p:cxnSp>
+      <p:sp>
+        <p:nvSpPr>
+          <p:cNvPr id="70" name="Freeform 117">
+            <a:extLst>
+              <a:ext uri="{FF2B5EF4-FFF2-40B4-BE49-F238E27FC236}">
+                <a16:creationId xmlns:a16="http://schemas.microsoft.com/office/drawing/2014/main" id="{634EF148-7A05-4BC7-8523-5B81B490FAD3}"/>
+              </a:ext>
+            </a:extLst>
+          </p:cNvPr>
+          <p:cNvSpPr/>
+          <p:nvPr/>
+        </p:nvSpPr>
+        <p:spPr>
+          <a:xfrm flipV="1">
+            <a:off x="4078711" y="5501350"/>
+            <a:ext cx="2642195" cy="101600"/>
+          </a:xfrm>
+          <a:custGeom>
+            <a:avLst/>
+            <a:gdLst>
+              <a:gd name="connsiteX0" fmla="*/ 0 w 3048000"/>
+              <a:gd name="connsiteY0" fmla="*/ 203200 h 203200"/>
+              <a:gd name="connsiteX1" fmla="*/ 221673 w 3048000"/>
+              <a:gd name="connsiteY1" fmla="*/ 0 h 203200"/>
+              <a:gd name="connsiteX2" fmla="*/ 3048000 w 3048000"/>
+              <a:gd name="connsiteY2" fmla="*/ 0 h 203200"/>
+            </a:gdLst>
+            <a:ahLst/>
+            <a:cxnLst>
+              <a:cxn ang="0">
+                <a:pos x="connsiteX0" y="connsiteY0"/>
+              </a:cxn>
+              <a:cxn ang="0">
+                <a:pos x="connsiteX1" y="connsiteY1"/>
+              </a:cxn>
+              <a:cxn ang="0">
+                <a:pos x="connsiteX2" y="connsiteY2"/>
+              </a:cxn>
+            </a:cxnLst>
+            <a:rect l="l" t="t" r="r" b="b"/>
+            <a:pathLst>
+              <a:path w="3048000" h="203200">
+                <a:moveTo>
+                  <a:pt x="0" y="203200"/>
+                </a:moveTo>
+                <a:lnTo>
+                  <a:pt x="221673" y="0"/>
+                </a:lnTo>
+                <a:lnTo>
+                  <a:pt x="3048000" y="0"/>
+                </a:lnTo>
+              </a:path>
+            </a:pathLst>
+          </a:custGeom>
+          <a:noFill/>
+          <a:ln w="19050">
+            <a:solidFill>
+              <a:schemeClr val="accent3"/>
+            </a:solidFill>
+            <a:prstDash val="sysDot"/>
+            <a:headEnd type="none" w="med" len="med"/>
+            <a:tailEnd type="arrow" w="med" len="med"/>
+          </a:ln>
+          <a:effectLst/>
+        </p:spPr>
+        <p:style>
+          <a:lnRef idx="1">
+            <a:schemeClr val="accent2"/>
+          </a:lnRef>
+          <a:fillRef idx="2">
+            <a:schemeClr val="accent2"/>
+          </a:fillRef>
+          <a:effectRef idx="1">
+            <a:schemeClr val="accent2"/>
+          </a:effectRef>
+          <a:fontRef idx="minor">
+            <a:schemeClr val="dk1"/>
+          </a:fontRef>
+        </p:style>
+        <p:txBody>
+          <a:bodyPr rtlCol="0" anchor="ctr"/>
+          <a:lstStyle/>
+          <a:p>
+            <a:pPr algn="ctr"/>
+            <a:endParaRPr lang="en-SG"/>
+          </a:p>
+        </p:txBody>
+      </p:sp>
+      <p:cxnSp>
+        <p:nvCxnSpPr>
+          <p:cNvPr id="71" name="Elbow Connector 63">
+            <a:extLst>
+              <a:ext uri="{FF2B5EF4-FFF2-40B4-BE49-F238E27FC236}">
+                <a16:creationId xmlns:a16="http://schemas.microsoft.com/office/drawing/2014/main" id="{9D67CB0A-694D-4B92-B8E8-B70CA03EB159}"/>
+              </a:ext>
+            </a:extLst>
+          </p:cNvPr>
+          <p:cNvCxnSpPr/>
+          <p:nvPr/>
+        </p:nvCxnSpPr>
+        <p:spPr>
+          <a:xfrm rot="5400000">
+            <a:off x="4171059" y="3536097"/>
+            <a:ext cx="2061222" cy="649740"/>
+          </a:xfrm>
+          <a:prstGeom prst="bentConnector2">
+            <a:avLst/>
+          </a:prstGeom>
+          <a:ln w="6350">
+            <a:solidFill>
+              <a:schemeClr val="accent3"/>
+            </a:solidFill>
+            <a:headEnd type="none" w="med" len="med"/>
+            <a:tailEnd type="none" w="med" len="med"/>
+          </a:ln>
+          <a:effectLst/>
+        </p:spPr>
+        <p:style>
+          <a:lnRef idx="1">
+            <a:schemeClr val="accent2"/>
+          </a:lnRef>
+          <a:fillRef idx="2">
+            <a:schemeClr val="accent2"/>
+          </a:fillRef>
+          <a:effectRef idx="1">
+            <a:schemeClr val="accent2"/>
+          </a:effectRef>
+          <a:fontRef idx="minor">
+            <a:schemeClr val="dk1"/>
+          </a:fontRef>
+        </p:style>
+      </p:cxnSp>
+      <p:cxnSp>
+        <p:nvCxnSpPr>
+          <p:cNvPr id="72" name="Elbow Connector 63">
+            <a:extLst>
+              <a:ext uri="{FF2B5EF4-FFF2-40B4-BE49-F238E27FC236}">
+                <a16:creationId xmlns:a16="http://schemas.microsoft.com/office/drawing/2014/main" id="{1B0F5FE4-68A6-4E25-BF0B-74B15B3707A2}"/>
+              </a:ext>
+            </a:extLst>
+          </p:cNvPr>
+          <p:cNvCxnSpPr/>
+          <p:nvPr/>
+        </p:nvCxnSpPr>
+        <p:spPr>
+          <a:xfrm rot="5400000">
+            <a:off x="4171059" y="4026705"/>
+            <a:ext cx="2061222" cy="649740"/>
+          </a:xfrm>
+          <a:prstGeom prst="bentConnector2">
+            <a:avLst/>
+          </a:prstGeom>
+          <a:ln w="6350">
+            <a:solidFill>
+              <a:schemeClr val="accent3"/>
+            </a:solidFill>
+            <a:headEnd type="none" w="med" len="med"/>
+            <a:tailEnd type="none" w="med" len="med"/>
+          </a:ln>
+          <a:effectLst/>
+        </p:spPr>
+        <p:style>
+          <a:lnRef idx="1">
+            <a:schemeClr val="accent2"/>
+          </a:lnRef>
+          <a:fillRef idx="2">
+            <a:schemeClr val="accent2"/>
+          </a:fillRef>
+          <a:effectRef idx="1">
+            <a:schemeClr val="accent2"/>
+          </a:effectRef>
+          <a:fontRef idx="minor">
+            <a:schemeClr val="dk1"/>
+          </a:fontRef>
+        </p:style>
+      </p:cxnSp>
     </p:spTree>
     <p:extLst>
       <p:ext uri="{BB962C8B-B14F-4D97-AF65-F5344CB8AC3E}">
